--- a/电商离线数据仓库介绍及演示PPT.pptx
+++ b/电商离线数据仓库介绍及演示PPT.pptx
@@ -295,7 +295,7 @@
           <a:p>
             <a:fld id="{1129E15B-970B-47A3-8C8F-22DF97A0F1AB}" type="datetimeFigureOut">
               <a:rPr lang="zh-CN" altLang="en-US" smtClean="0"/>
-              <a:t>2022/1/26</a:t>
+              <a:t>2022/2/14</a:t>
             </a:fld>
             <a:endParaRPr lang="zh-CN" altLang="en-US"/>
           </a:p>
@@ -493,7 +493,7 @@
           <a:p>
             <a:fld id="{1129E15B-970B-47A3-8C8F-22DF97A0F1AB}" type="datetimeFigureOut">
               <a:rPr lang="zh-CN" altLang="en-US" smtClean="0"/>
-              <a:t>2022/1/26</a:t>
+              <a:t>2022/2/14</a:t>
             </a:fld>
             <a:endParaRPr lang="zh-CN" altLang="en-US"/>
           </a:p>
@@ -701,7 +701,7 @@
           <a:p>
             <a:fld id="{1129E15B-970B-47A3-8C8F-22DF97A0F1AB}" type="datetimeFigureOut">
               <a:rPr lang="zh-CN" altLang="en-US" smtClean="0"/>
-              <a:t>2022/1/26</a:t>
+              <a:t>2022/2/14</a:t>
             </a:fld>
             <a:endParaRPr lang="zh-CN" altLang="en-US"/>
           </a:p>
@@ -899,7 +899,7 @@
           <a:p>
             <a:fld id="{1129E15B-970B-47A3-8C8F-22DF97A0F1AB}" type="datetimeFigureOut">
               <a:rPr lang="zh-CN" altLang="en-US" smtClean="0"/>
-              <a:t>2022/1/26</a:t>
+              <a:t>2022/2/14</a:t>
             </a:fld>
             <a:endParaRPr lang="zh-CN" altLang="en-US"/>
           </a:p>
@@ -1174,7 +1174,7 @@
           <a:p>
             <a:fld id="{1129E15B-970B-47A3-8C8F-22DF97A0F1AB}" type="datetimeFigureOut">
               <a:rPr lang="zh-CN" altLang="en-US" smtClean="0"/>
-              <a:t>2022/1/26</a:t>
+              <a:t>2022/2/14</a:t>
             </a:fld>
             <a:endParaRPr lang="zh-CN" altLang="en-US"/>
           </a:p>
@@ -1439,7 +1439,7 @@
           <a:p>
             <a:fld id="{1129E15B-970B-47A3-8C8F-22DF97A0F1AB}" type="datetimeFigureOut">
               <a:rPr lang="zh-CN" altLang="en-US" smtClean="0"/>
-              <a:t>2022/1/26</a:t>
+              <a:t>2022/2/14</a:t>
             </a:fld>
             <a:endParaRPr lang="zh-CN" altLang="en-US"/>
           </a:p>
@@ -1851,7 +1851,7 @@
           <a:p>
             <a:fld id="{1129E15B-970B-47A3-8C8F-22DF97A0F1AB}" type="datetimeFigureOut">
               <a:rPr lang="zh-CN" altLang="en-US" smtClean="0"/>
-              <a:t>2022/1/26</a:t>
+              <a:t>2022/2/14</a:t>
             </a:fld>
             <a:endParaRPr lang="zh-CN" altLang="en-US"/>
           </a:p>
@@ -1992,7 +1992,7 @@
           <a:p>
             <a:fld id="{1129E15B-970B-47A3-8C8F-22DF97A0F1AB}" type="datetimeFigureOut">
               <a:rPr lang="zh-CN" altLang="en-US" smtClean="0"/>
-              <a:t>2022/1/26</a:t>
+              <a:t>2022/2/14</a:t>
             </a:fld>
             <a:endParaRPr lang="zh-CN" altLang="en-US"/>
           </a:p>
@@ -2105,7 +2105,7 @@
           <a:p>
             <a:fld id="{1129E15B-970B-47A3-8C8F-22DF97A0F1AB}" type="datetimeFigureOut">
               <a:rPr lang="zh-CN" altLang="en-US" smtClean="0"/>
-              <a:t>2022/1/26</a:t>
+              <a:t>2022/2/14</a:t>
             </a:fld>
             <a:endParaRPr lang="zh-CN" altLang="en-US"/>
           </a:p>
@@ -2416,7 +2416,7 @@
           <a:p>
             <a:fld id="{1129E15B-970B-47A3-8C8F-22DF97A0F1AB}" type="datetimeFigureOut">
               <a:rPr lang="zh-CN" altLang="en-US" smtClean="0"/>
-              <a:t>2022/1/26</a:t>
+              <a:t>2022/2/14</a:t>
             </a:fld>
             <a:endParaRPr lang="zh-CN" altLang="en-US"/>
           </a:p>
@@ -2704,7 +2704,7 @@
           <a:p>
             <a:fld id="{1129E15B-970B-47A3-8C8F-22DF97A0F1AB}" type="datetimeFigureOut">
               <a:rPr lang="zh-CN" altLang="en-US" smtClean="0"/>
-              <a:t>2022/1/26</a:t>
+              <a:t>2022/2/14</a:t>
             </a:fld>
             <a:endParaRPr lang="zh-CN" altLang="en-US"/>
           </a:p>
@@ -2945,7 +2945,7 @@
           <a:p>
             <a:fld id="{1129E15B-970B-47A3-8C8F-22DF97A0F1AB}" type="datetimeFigureOut">
               <a:rPr lang="zh-CN" altLang="en-US" smtClean="0"/>
-              <a:t>2022/1/26</a:t>
+              <a:t>2022/2/14</a:t>
             </a:fld>
             <a:endParaRPr lang="zh-CN" altLang="en-US"/>
           </a:p>
@@ -7426,7 +7426,7 @@
         </p:blipFill>
         <p:spPr>
           <a:xfrm>
-            <a:off x="0" y="918332"/>
+            <a:off x="0" y="847311"/>
             <a:ext cx="12192000" cy="5684890"/>
           </a:xfrm>
           <a:prstGeom prst="rect">

--- a/电商离线数据仓库介绍及演示PPT.pptx
+++ b/电商离线数据仓库介绍及演示PPT.pptx
@@ -295,7 +295,7 @@
           <a:p>
             <a:fld id="{1129E15B-970B-47A3-8C8F-22DF97A0F1AB}" type="datetimeFigureOut">
               <a:rPr lang="zh-CN" altLang="en-US" smtClean="0"/>
-              <a:t>2022/2/14</a:t>
+              <a:t>2022/2/15</a:t>
             </a:fld>
             <a:endParaRPr lang="zh-CN" altLang="en-US"/>
           </a:p>
@@ -493,7 +493,7 @@
           <a:p>
             <a:fld id="{1129E15B-970B-47A3-8C8F-22DF97A0F1AB}" type="datetimeFigureOut">
               <a:rPr lang="zh-CN" altLang="en-US" smtClean="0"/>
-              <a:t>2022/2/14</a:t>
+              <a:t>2022/2/15</a:t>
             </a:fld>
             <a:endParaRPr lang="zh-CN" altLang="en-US"/>
           </a:p>
@@ -701,7 +701,7 @@
           <a:p>
             <a:fld id="{1129E15B-970B-47A3-8C8F-22DF97A0F1AB}" type="datetimeFigureOut">
               <a:rPr lang="zh-CN" altLang="en-US" smtClean="0"/>
-              <a:t>2022/2/14</a:t>
+              <a:t>2022/2/15</a:t>
             </a:fld>
             <a:endParaRPr lang="zh-CN" altLang="en-US"/>
           </a:p>
@@ -899,7 +899,7 @@
           <a:p>
             <a:fld id="{1129E15B-970B-47A3-8C8F-22DF97A0F1AB}" type="datetimeFigureOut">
               <a:rPr lang="zh-CN" altLang="en-US" smtClean="0"/>
-              <a:t>2022/2/14</a:t>
+              <a:t>2022/2/15</a:t>
             </a:fld>
             <a:endParaRPr lang="zh-CN" altLang="en-US"/>
           </a:p>
@@ -1174,7 +1174,7 @@
           <a:p>
             <a:fld id="{1129E15B-970B-47A3-8C8F-22DF97A0F1AB}" type="datetimeFigureOut">
               <a:rPr lang="zh-CN" altLang="en-US" smtClean="0"/>
-              <a:t>2022/2/14</a:t>
+              <a:t>2022/2/15</a:t>
             </a:fld>
             <a:endParaRPr lang="zh-CN" altLang="en-US"/>
           </a:p>
@@ -1439,7 +1439,7 @@
           <a:p>
             <a:fld id="{1129E15B-970B-47A3-8C8F-22DF97A0F1AB}" type="datetimeFigureOut">
               <a:rPr lang="zh-CN" altLang="en-US" smtClean="0"/>
-              <a:t>2022/2/14</a:t>
+              <a:t>2022/2/15</a:t>
             </a:fld>
             <a:endParaRPr lang="zh-CN" altLang="en-US"/>
           </a:p>
@@ -1851,7 +1851,7 @@
           <a:p>
             <a:fld id="{1129E15B-970B-47A3-8C8F-22DF97A0F1AB}" type="datetimeFigureOut">
               <a:rPr lang="zh-CN" altLang="en-US" smtClean="0"/>
-              <a:t>2022/2/14</a:t>
+              <a:t>2022/2/15</a:t>
             </a:fld>
             <a:endParaRPr lang="zh-CN" altLang="en-US"/>
           </a:p>
@@ -1992,7 +1992,7 @@
           <a:p>
             <a:fld id="{1129E15B-970B-47A3-8C8F-22DF97A0F1AB}" type="datetimeFigureOut">
               <a:rPr lang="zh-CN" altLang="en-US" smtClean="0"/>
-              <a:t>2022/2/14</a:t>
+              <a:t>2022/2/15</a:t>
             </a:fld>
             <a:endParaRPr lang="zh-CN" altLang="en-US"/>
           </a:p>
@@ -2105,7 +2105,7 @@
           <a:p>
             <a:fld id="{1129E15B-970B-47A3-8C8F-22DF97A0F1AB}" type="datetimeFigureOut">
               <a:rPr lang="zh-CN" altLang="en-US" smtClean="0"/>
-              <a:t>2022/2/14</a:t>
+              <a:t>2022/2/15</a:t>
             </a:fld>
             <a:endParaRPr lang="zh-CN" altLang="en-US"/>
           </a:p>
@@ -2416,7 +2416,7 @@
           <a:p>
             <a:fld id="{1129E15B-970B-47A3-8C8F-22DF97A0F1AB}" type="datetimeFigureOut">
               <a:rPr lang="zh-CN" altLang="en-US" smtClean="0"/>
-              <a:t>2022/2/14</a:t>
+              <a:t>2022/2/15</a:t>
             </a:fld>
             <a:endParaRPr lang="zh-CN" altLang="en-US"/>
           </a:p>
@@ -2704,7 +2704,7 @@
           <a:p>
             <a:fld id="{1129E15B-970B-47A3-8C8F-22DF97A0F1AB}" type="datetimeFigureOut">
               <a:rPr lang="zh-CN" altLang="en-US" smtClean="0"/>
-              <a:t>2022/2/14</a:t>
+              <a:t>2022/2/15</a:t>
             </a:fld>
             <a:endParaRPr lang="zh-CN" altLang="en-US"/>
           </a:p>
@@ -2945,7 +2945,7 @@
           <a:p>
             <a:fld id="{1129E15B-970B-47A3-8C8F-22DF97A0F1AB}" type="datetimeFigureOut">
               <a:rPr lang="zh-CN" altLang="en-US" smtClean="0"/>
-              <a:t>2022/2/14</a:t>
+              <a:t>2022/2/15</a:t>
             </a:fld>
             <a:endParaRPr lang="zh-CN" altLang="en-US"/>
           </a:p>
@@ -23245,7 +23245,7 @@
         </p:blipFill>
         <p:spPr bwMode="auto">
           <a:xfrm>
-            <a:off x="3838329" y="882065"/>
+            <a:off x="3758430" y="882065"/>
             <a:ext cx="4175125" cy="5602288"/>
           </a:xfrm>
           <a:prstGeom prst="rect">

--- a/电商离线数据仓库介绍及演示PPT.pptx
+++ b/电商离线数据仓库介绍及演示PPT.pptx
@@ -295,7 +295,7 @@
           <a:p>
             <a:fld id="{1129E15B-970B-47A3-8C8F-22DF97A0F1AB}" type="datetimeFigureOut">
               <a:rPr lang="zh-CN" altLang="en-US" smtClean="0"/>
-              <a:t>2022/2/15</a:t>
+              <a:t>2022/2/21</a:t>
             </a:fld>
             <a:endParaRPr lang="zh-CN" altLang="en-US"/>
           </a:p>
@@ -493,7 +493,7 @@
           <a:p>
             <a:fld id="{1129E15B-970B-47A3-8C8F-22DF97A0F1AB}" type="datetimeFigureOut">
               <a:rPr lang="zh-CN" altLang="en-US" smtClean="0"/>
-              <a:t>2022/2/15</a:t>
+              <a:t>2022/2/21</a:t>
             </a:fld>
             <a:endParaRPr lang="zh-CN" altLang="en-US"/>
           </a:p>
@@ -701,7 +701,7 @@
           <a:p>
             <a:fld id="{1129E15B-970B-47A3-8C8F-22DF97A0F1AB}" type="datetimeFigureOut">
               <a:rPr lang="zh-CN" altLang="en-US" smtClean="0"/>
-              <a:t>2022/2/15</a:t>
+              <a:t>2022/2/21</a:t>
             </a:fld>
             <a:endParaRPr lang="zh-CN" altLang="en-US"/>
           </a:p>
@@ -899,7 +899,7 @@
           <a:p>
             <a:fld id="{1129E15B-970B-47A3-8C8F-22DF97A0F1AB}" type="datetimeFigureOut">
               <a:rPr lang="zh-CN" altLang="en-US" smtClean="0"/>
-              <a:t>2022/2/15</a:t>
+              <a:t>2022/2/21</a:t>
             </a:fld>
             <a:endParaRPr lang="zh-CN" altLang="en-US"/>
           </a:p>
@@ -1174,7 +1174,7 @@
           <a:p>
             <a:fld id="{1129E15B-970B-47A3-8C8F-22DF97A0F1AB}" type="datetimeFigureOut">
               <a:rPr lang="zh-CN" altLang="en-US" smtClean="0"/>
-              <a:t>2022/2/15</a:t>
+              <a:t>2022/2/21</a:t>
             </a:fld>
             <a:endParaRPr lang="zh-CN" altLang="en-US"/>
           </a:p>
@@ -1439,7 +1439,7 @@
           <a:p>
             <a:fld id="{1129E15B-970B-47A3-8C8F-22DF97A0F1AB}" type="datetimeFigureOut">
               <a:rPr lang="zh-CN" altLang="en-US" smtClean="0"/>
-              <a:t>2022/2/15</a:t>
+              <a:t>2022/2/21</a:t>
             </a:fld>
             <a:endParaRPr lang="zh-CN" altLang="en-US"/>
           </a:p>
@@ -1851,7 +1851,7 @@
           <a:p>
             <a:fld id="{1129E15B-970B-47A3-8C8F-22DF97A0F1AB}" type="datetimeFigureOut">
               <a:rPr lang="zh-CN" altLang="en-US" smtClean="0"/>
-              <a:t>2022/2/15</a:t>
+              <a:t>2022/2/21</a:t>
             </a:fld>
             <a:endParaRPr lang="zh-CN" altLang="en-US"/>
           </a:p>
@@ -1992,7 +1992,7 @@
           <a:p>
             <a:fld id="{1129E15B-970B-47A3-8C8F-22DF97A0F1AB}" type="datetimeFigureOut">
               <a:rPr lang="zh-CN" altLang="en-US" smtClean="0"/>
-              <a:t>2022/2/15</a:t>
+              <a:t>2022/2/21</a:t>
             </a:fld>
             <a:endParaRPr lang="zh-CN" altLang="en-US"/>
           </a:p>
@@ -2105,7 +2105,7 @@
           <a:p>
             <a:fld id="{1129E15B-970B-47A3-8C8F-22DF97A0F1AB}" type="datetimeFigureOut">
               <a:rPr lang="zh-CN" altLang="en-US" smtClean="0"/>
-              <a:t>2022/2/15</a:t>
+              <a:t>2022/2/21</a:t>
             </a:fld>
             <a:endParaRPr lang="zh-CN" altLang="en-US"/>
           </a:p>
@@ -2416,7 +2416,7 @@
           <a:p>
             <a:fld id="{1129E15B-970B-47A3-8C8F-22DF97A0F1AB}" type="datetimeFigureOut">
               <a:rPr lang="zh-CN" altLang="en-US" smtClean="0"/>
-              <a:t>2022/2/15</a:t>
+              <a:t>2022/2/21</a:t>
             </a:fld>
             <a:endParaRPr lang="zh-CN" altLang="en-US"/>
           </a:p>
@@ -2704,7 +2704,7 @@
           <a:p>
             <a:fld id="{1129E15B-970B-47A3-8C8F-22DF97A0F1AB}" type="datetimeFigureOut">
               <a:rPr lang="zh-CN" altLang="en-US" smtClean="0"/>
-              <a:t>2022/2/15</a:t>
+              <a:t>2022/2/21</a:t>
             </a:fld>
             <a:endParaRPr lang="zh-CN" altLang="en-US"/>
           </a:p>
@@ -2945,7 +2945,7 @@
           <a:p>
             <a:fld id="{1129E15B-970B-47A3-8C8F-22DF97A0F1AB}" type="datetimeFigureOut">
               <a:rPr lang="zh-CN" altLang="en-US" smtClean="0"/>
-              <a:t>2022/2/15</a:t>
+              <a:t>2022/2/21</a:t>
             </a:fld>
             <a:endParaRPr lang="zh-CN" altLang="en-US"/>
           </a:p>
@@ -6488,7 +6488,7 @@
         </p:nvSpPr>
         <p:spPr>
           <a:xfrm>
-            <a:off x="2924357" y="1247312"/>
+            <a:off x="2924357" y="1389354"/>
             <a:ext cx="6094520" cy="3139321"/>
           </a:xfrm>
           <a:prstGeom prst="rect">
